--- a/PresentationBoldMove.pptx
+++ b/PresentationBoldMove.pptx
@@ -9,11 +9,10 @@
     <p:sldId id="258" r:id="rId3"/>
     <p:sldId id="262" r:id="rId4"/>
     <p:sldId id="263" r:id="rId5"/>
-    <p:sldId id="264" r:id="rId6"/>
-    <p:sldId id="265" r:id="rId7"/>
-    <p:sldId id="268" r:id="rId8"/>
-    <p:sldId id="269" r:id="rId9"/>
-    <p:sldId id="266" r:id="rId10"/>
+    <p:sldId id="265" r:id="rId6"/>
+    <p:sldId id="264" r:id="rId7"/>
+    <p:sldId id="269" r:id="rId8"/>
+    <p:sldId id="266" r:id="rId9"/>
   </p:sldIdLst>
   <p:sldSz cx="12192000" cy="6858000"/>
   <p:notesSz cx="6858000" cy="9144000"/>
@@ -112,6 +111,11 @@
       </a:defRPr>
     </a:lvl9pPr>
   </p:defaultTextStyle>
+  <p:extLst>
+    <p:ext uri="{EFAFB233-063F-42B5-8137-9DF3F51BA10A}">
+      <p15:sldGuideLst xmlns:p15="http://schemas.microsoft.com/office/powerpoint/2012/main"/>
+    </p:ext>
+  </p:extLst>
 </p:presentation>
 </file>
 
@@ -447,7 +451,7 @@
             <a:fld id="{B61BEF0D-F0BB-DE4B-95CE-6DB70DBA9567}" type="datetimeFigureOut">
               <a:rPr lang="en-US" dirty="0"/>
               <a:pPr/>
-              <a:t>12/10/2018</a:t>
+              <a:t>12/11/2018</a:t>
             </a:fld>
             <a:endParaRPr lang="en-US" dirty="0"/>
           </a:p>
@@ -768,7 +772,7 @@
             <a:fld id="{B61BEF0D-F0BB-DE4B-95CE-6DB70DBA9567}" type="datetimeFigureOut">
               <a:rPr lang="en-US" dirty="0"/>
               <a:pPr/>
-              <a:t>12/10/2018</a:t>
+              <a:t>12/11/2018</a:t>
             </a:fld>
             <a:endParaRPr lang="en-US" dirty="0"/>
           </a:p>
@@ -1013,7 +1017,7 @@
             <a:fld id="{B61BEF0D-F0BB-DE4B-95CE-6DB70DBA9567}" type="datetimeFigureOut">
               <a:rPr lang="en-US" dirty="0"/>
               <a:pPr/>
-              <a:t>12/10/2018</a:t>
+              <a:t>12/11/2018</a:t>
             </a:fld>
             <a:endParaRPr lang="en-US" dirty="0"/>
           </a:p>
@@ -1349,7 +1353,7 @@
             <a:fld id="{B61BEF0D-F0BB-DE4B-95CE-6DB70DBA9567}" type="datetimeFigureOut">
               <a:rPr lang="en-US" dirty="0"/>
               <a:pPr/>
-              <a:t>12/10/2018</a:t>
+              <a:t>12/11/2018</a:t>
             </a:fld>
             <a:endParaRPr lang="en-US" dirty="0"/>
           </a:p>
@@ -1693,7 +1697,7 @@
             <a:fld id="{B61BEF0D-F0BB-DE4B-95CE-6DB70DBA9567}" type="datetimeFigureOut">
               <a:rPr lang="en-US" dirty="0"/>
               <a:pPr/>
-              <a:t>12/10/2018</a:t>
+              <a:t>12/11/2018</a:t>
             </a:fld>
             <a:endParaRPr lang="en-US" dirty="0"/>
           </a:p>
@@ -2064,7 +2068,7 @@
             <a:fld id="{B61BEF0D-F0BB-DE4B-95CE-6DB70DBA9567}" type="datetimeFigureOut">
               <a:rPr lang="en-US" dirty="0"/>
               <a:pPr/>
-              <a:t>12/10/2018</a:t>
+              <a:t>12/11/2018</a:t>
             </a:fld>
             <a:endParaRPr lang="en-US" dirty="0"/>
           </a:p>
@@ -2531,7 +2535,7 @@
             <a:fld id="{B61BEF0D-F0BB-DE4B-95CE-6DB70DBA9567}" type="datetimeFigureOut">
               <a:rPr lang="en-US" dirty="0"/>
               <a:pPr/>
-              <a:t>12/10/2018</a:t>
+              <a:t>12/11/2018</a:t>
             </a:fld>
             <a:endParaRPr lang="en-US" dirty="0"/>
           </a:p>
@@ -2733,7 +2737,7 @@
             <a:fld id="{B61BEF0D-F0BB-DE4B-95CE-6DB70DBA9567}" type="datetimeFigureOut">
               <a:rPr lang="en-US" dirty="0"/>
               <a:pPr/>
-              <a:t>12/10/2018</a:t>
+              <a:t>12/11/2018</a:t>
             </a:fld>
             <a:endParaRPr lang="en-US" dirty="0"/>
           </a:p>
@@ -2941,7 +2945,7 @@
             <a:fld id="{B61BEF0D-F0BB-DE4B-95CE-6DB70DBA9567}" type="datetimeFigureOut">
               <a:rPr lang="en-US" dirty="0"/>
               <a:pPr/>
-              <a:t>12/10/2018</a:t>
+              <a:t>12/11/2018</a:t>
             </a:fld>
             <a:endParaRPr lang="en-US" dirty="0"/>
           </a:p>
@@ -3169,7 +3173,7 @@
           <a:p>
             <a:fld id="{52647F38-B617-4D2F-AE0A-013F0C4D2C57}" type="datetimeFigureOut">
               <a:rPr lang="en-US" dirty="0"/>
-              <a:t>12/10/2018</a:t>
+              <a:t>12/11/2018</a:t>
             </a:fld>
             <a:endParaRPr lang="en-US" dirty="0"/>
           </a:p>
@@ -3413,7 +3417,7 @@
             <a:fld id="{B61BEF0D-F0BB-DE4B-95CE-6DB70DBA9567}" type="datetimeFigureOut">
               <a:rPr lang="en-US" dirty="0"/>
               <a:pPr/>
-              <a:t>12/10/2018</a:t>
+              <a:t>12/11/2018</a:t>
             </a:fld>
             <a:endParaRPr lang="en-US" dirty="0"/>
           </a:p>
@@ -3707,7 +3711,7 @@
           <a:p>
             <a:fld id="{05BFA754-D5C3-4E66-96A6-867B257F58DC}" type="datetimeFigureOut">
               <a:rPr lang="en-US" dirty="0"/>
-              <a:t>12/10/2018</a:t>
+              <a:t>12/11/2018</a:t>
             </a:fld>
             <a:endParaRPr lang="en-US" dirty="0"/>
           </a:p>
@@ -4097,7 +4101,7 @@
             <a:fld id="{B61BEF0D-F0BB-DE4B-95CE-6DB70DBA9567}" type="datetimeFigureOut">
               <a:rPr lang="en-US" dirty="0"/>
               <a:pPr/>
-              <a:t>12/10/2018</a:t>
+              <a:t>12/11/2018</a:t>
             </a:fld>
             <a:endParaRPr lang="en-US" dirty="0"/>
           </a:p>
@@ -4243,7 +4247,7 @@
             <a:fld id="{B61BEF0D-F0BB-DE4B-95CE-6DB70DBA9567}" type="datetimeFigureOut">
               <a:rPr lang="en-US" dirty="0"/>
               <a:pPr/>
-              <a:t>12/10/2018</a:t>
+              <a:t>12/11/2018</a:t>
             </a:fld>
             <a:endParaRPr lang="en-US" dirty="0"/>
           </a:p>
@@ -4366,7 +4370,7 @@
             <a:fld id="{B61BEF0D-F0BB-DE4B-95CE-6DB70DBA9567}" type="datetimeFigureOut">
               <a:rPr lang="en-US" dirty="0"/>
               <a:pPr/>
-              <a:t>12/10/2018</a:t>
+              <a:t>12/11/2018</a:t>
             </a:fld>
             <a:endParaRPr lang="en-US" dirty="0"/>
           </a:p>
@@ -4618,7 +4622,7 @@
             <a:fld id="{B61BEF0D-F0BB-DE4B-95CE-6DB70DBA9567}" type="datetimeFigureOut">
               <a:rPr lang="en-US" dirty="0"/>
               <a:pPr/>
-              <a:t>12/10/2018</a:t>
+              <a:t>12/11/2018</a:t>
             </a:fld>
             <a:endParaRPr lang="en-US" dirty="0"/>
           </a:p>
@@ -4930,7 +4934,7 @@
             <a:fld id="{B61BEF0D-F0BB-DE4B-95CE-6DB70DBA9567}" type="datetimeFigureOut">
               <a:rPr lang="en-US" dirty="0"/>
               <a:pPr/>
-              <a:t>12/10/2018</a:t>
+              <a:t>12/11/2018</a:t>
             </a:fld>
             <a:endParaRPr lang="en-US" dirty="0"/>
           </a:p>
@@ -5278,7 +5282,7 @@
             <a:fld id="{B61BEF0D-F0BB-DE4B-95CE-6DB70DBA9567}" type="datetimeFigureOut">
               <a:rPr lang="en-US" dirty="0"/>
               <a:pPr/>
-              <a:t>12/10/2018</a:t>
+              <a:t>12/11/2018</a:t>
             </a:fld>
             <a:endParaRPr lang="en-US" dirty="0"/>
           </a:p>
@@ -5871,21 +5875,7 @@
           <a:p>
             <a:r>
               <a:rPr lang="en-US" dirty="0"/>
-              <a:t>Team DJDB: </a:t>
-            </a:r>
-          </a:p>
-          <a:p>
-            <a:r>
-              <a:rPr lang="en-US" dirty="0"/>
-              <a:t>Dan </a:t>
-            </a:r>
-            <a:r>
-              <a:rPr lang="en-US" dirty="0" err="1"/>
-              <a:t>Ulie</a:t>
-            </a:r>
-            <a:r>
-              <a:rPr lang="en-US" dirty="0"/>
-              <a:t>, Julie Ly, Dev Shrestha &amp; Brent Woodward</a:t>
+              <a:t>Team DJDB</a:t>
             </a:r>
           </a:p>
         </p:txBody>
@@ -6058,6 +6048,12 @@
           <a:p>
             <a:r>
               <a:rPr lang="en-US" dirty="0"/>
+              <a:t>Brent Woodward</a:t>
+            </a:r>
+          </a:p>
+          <a:p>
+            <a:r>
+              <a:rPr lang="en-US" dirty="0"/>
               <a:t>Dan </a:t>
             </a:r>
             <a:r>
@@ -6076,12 +6072,6 @@
             <a:r>
               <a:rPr lang="en-US" dirty="0"/>
               <a:t>Dev Shrestha</a:t>
-            </a:r>
-          </a:p>
-          <a:p>
-            <a:r>
-              <a:rPr lang="en-US" dirty="0"/>
-              <a:t>Brent Woodward</a:t>
             </a:r>
           </a:p>
         </p:txBody>
@@ -6342,13 +6332,13 @@
           <a:p>
             <a:r>
               <a:rPr lang="en-US" dirty="0"/>
-              <a:t>Persistence</a:t>
+              <a:t>Chaining API’s</a:t>
             </a:r>
           </a:p>
           <a:p>
             <a:r>
               <a:rPr lang="en-US" dirty="0"/>
-              <a:t>Async</a:t>
+              <a:t>EJS</a:t>
             </a:r>
           </a:p>
         </p:txBody>
@@ -6356,7 +6346,7 @@
     </p:spTree>
     <p:extLst>
       <p:ext uri="{BB962C8B-B14F-4D97-AF65-F5344CB8AC3E}">
-        <p14:creationId xmlns:p14="http://schemas.microsoft.com/office/powerpoint/2010/main" val="1075845410"/>
+        <p14:creationId xmlns:p14="http://schemas.microsoft.com/office/powerpoint/2010/main" val="1001029937"/>
       </p:ext>
     </p:extLst>
   </p:cSld>
@@ -6436,13 +6426,13 @@
           <a:p>
             <a:r>
               <a:rPr lang="en-US" dirty="0"/>
-              <a:t>Chaining API’s</a:t>
+              <a:t>Persistence</a:t>
             </a:r>
           </a:p>
           <a:p>
             <a:r>
               <a:rPr lang="en-US" dirty="0"/>
-              <a:t>EJS</a:t>
+              <a:t>Async</a:t>
             </a:r>
           </a:p>
         </p:txBody>
@@ -6450,7 +6440,7 @@
     </p:spTree>
     <p:extLst>
       <p:ext uri="{BB962C8B-B14F-4D97-AF65-F5344CB8AC3E}">
-        <p14:creationId xmlns:p14="http://schemas.microsoft.com/office/powerpoint/2010/main" val="1001029937"/>
+        <p14:creationId xmlns:p14="http://schemas.microsoft.com/office/powerpoint/2010/main" val="1075845410"/>
       </p:ext>
     </p:extLst>
   </p:cSld>
@@ -6495,12 +6485,18 @@
         </p:nvSpPr>
         <p:spPr/>
         <p:txBody>
-          <a:bodyPr/>
-          <a:lstStyle/>
-          <a:p>
+          <a:bodyPr>
+            <a:normAutofit/>
+          </a:bodyPr>
+          <a:lstStyle/>
+          <a:p>
+            <a:r>
+              <a:rPr lang="en-US" dirty="0" err="1"/>
+              <a:t>BoldMove</a:t>
+            </a:r>
             <a:r>
               <a:rPr lang="en-US" dirty="0"/>
-              <a:t>OPTIONAL SLIDE Project Successes</a:t>
+              <a:t> Expansion</a:t>
             </a:r>
           </a:p>
         </p:txBody>
@@ -6528,104 +6524,40 @@
           <a:p>
             <a:r>
               <a:rPr lang="en-US" dirty="0"/>
-              <a:t>Chaining API’s</a:t>
-            </a:r>
-          </a:p>
-        </p:txBody>
-      </p:sp>
-    </p:spTree>
-    <p:extLst>
-      <p:ext uri="{BB962C8B-B14F-4D97-AF65-F5344CB8AC3E}">
-        <p14:creationId xmlns:p14="http://schemas.microsoft.com/office/powerpoint/2010/main" val="639989814"/>
-      </p:ext>
-    </p:extLst>
-  </p:cSld>
-  <p:clrMapOvr>
-    <a:masterClrMapping/>
-  </p:clrMapOvr>
-</p:sld>
-</file>
-
-<file path=ppt/slides/slide8.xml><?xml version="1.0" encoding="utf-8"?>
-<p:sld xmlns:a="http://schemas.openxmlformats.org/drawingml/2006/main" xmlns:r="http://schemas.openxmlformats.org/officeDocument/2006/relationships" xmlns:p="http://schemas.openxmlformats.org/presentationml/2006/main">
-  <p:cSld>
-    <p:spTree>
-      <p:nvGrpSpPr>
-        <p:cNvPr id="1" name=""/>
-        <p:cNvGrpSpPr/>
-        <p:nvPr/>
-      </p:nvGrpSpPr>
-      <p:grpSpPr>
-        <a:xfrm>
-          <a:off x="0" y="0"/>
-          <a:ext cx="0" cy="0"/>
-          <a:chOff x="0" y="0"/>
-          <a:chExt cx="0" cy="0"/>
-        </a:xfrm>
-      </p:grpSpPr>
-      <p:sp>
-        <p:nvSpPr>
-          <p:cNvPr id="2" name="Title 1">
-            <a:extLst>
-              <a:ext uri="{FF2B5EF4-FFF2-40B4-BE49-F238E27FC236}">
-                <a16:creationId xmlns:a16="http://schemas.microsoft.com/office/drawing/2014/main" id="{5003EE18-0A82-4552-9796-BDC830C1B397}"/>
-              </a:ext>
-            </a:extLst>
-          </p:cNvPr>
-          <p:cNvSpPr>
-            <a:spLocks noGrp="1"/>
-          </p:cNvSpPr>
-          <p:nvPr>
-            <p:ph type="title"/>
-          </p:nvPr>
-        </p:nvSpPr>
-        <p:spPr/>
-        <p:txBody>
-          <a:bodyPr>
-            <a:normAutofit fontScale="90000"/>
-          </a:bodyPr>
-          <a:lstStyle/>
+              <a:t>Convert both directions for currency and translation</a:t>
+            </a:r>
+          </a:p>
           <a:p>
             <a:r>
               <a:rPr lang="en-US" dirty="0"/>
-              <a:t>OPTIONAL SLIDE </a:t>
-            </a:r>
-            <a:r>
-              <a:rPr lang="en-US" dirty="0" err="1"/>
-              <a:t>BoldMove</a:t>
-            </a:r>
+              <a:t>For translation: add phonetic</a:t>
+            </a:r>
+          </a:p>
+          <a:p>
             <a:r>
               <a:rPr lang="en-US" dirty="0"/>
-              <a:t> Expansion</a:t>
-            </a:r>
-          </a:p>
-        </p:txBody>
-      </p:sp>
-      <p:sp>
-        <p:nvSpPr>
-          <p:cNvPr id="3" name="Content Placeholder 2">
-            <a:extLst>
-              <a:ext uri="{FF2B5EF4-FFF2-40B4-BE49-F238E27FC236}">
-                <a16:creationId xmlns:a16="http://schemas.microsoft.com/office/drawing/2014/main" id="{77EA9A22-70A2-4B59-9C4F-8F75D0D3F088}"/>
-              </a:ext>
-            </a:extLst>
-          </p:cNvPr>
-          <p:cNvSpPr>
-            <a:spLocks noGrp="1"/>
-          </p:cNvSpPr>
-          <p:nvPr>
-            <p:ph idx="1"/>
-          </p:nvPr>
-        </p:nvSpPr>
-        <p:spPr/>
-        <p:txBody>
-          <a:bodyPr/>
-          <a:lstStyle/>
+              <a:t>Sentimental evaluation utilizing word cloud</a:t>
+            </a:r>
+          </a:p>
           <a:p>
             <a:r>
               <a:rPr lang="en-US" dirty="0"/>
-              <a:t>Convert both direction for currency and translation</a:t>
-            </a:r>
+              <a:t>For “nearby” (aka Yelp) add filters/sorts for categories</a:t>
+            </a:r>
+          </a:p>
+          <a:p>
+            <a:r>
+              <a:rPr lang="en-US" dirty="0"/>
+              <a:t>Various user </a:t>
+            </a:r>
+            <a:r>
+              <a:rPr lang="en-US"/>
+              <a:t>interface improvements</a:t>
+            </a:r>
+            <a:endParaRPr lang="en-US" dirty="0"/>
+          </a:p>
+          <a:p>
+            <a:endParaRPr lang="en-US" dirty="0"/>
           </a:p>
         </p:txBody>
       </p:sp>
@@ -6642,7 +6574,7 @@
 </p:sld>
 </file>
 
-<file path=ppt/slides/slide9.xml><?xml version="1.0" encoding="utf-8"?>
+<file path=ppt/slides/slide8.xml><?xml version="1.0" encoding="utf-8"?>
 <p:sld xmlns:a="http://schemas.openxmlformats.org/drawingml/2006/main" xmlns:r="http://schemas.openxmlformats.org/officeDocument/2006/relationships" xmlns:p="http://schemas.openxmlformats.org/presentationml/2006/main">
   <p:cSld>
     <p:spTree>
